--- a/PitchSlide.pptx
+++ b/PitchSlide.pptx
@@ -3194,15 +3194,7 @@
                   <a:schemeClr val="bg1"/>
                 </a:solidFill>
               </a:rPr>
-              <a:t>Space </a:t>
-            </a:r>
-            <a:r>
-              <a:rPr lang="de-DE" dirty="0" smtClean="0">
-                <a:solidFill>
-                  <a:schemeClr val="bg1"/>
-                </a:solidFill>
-              </a:rPr>
-              <a:t>War</a:t>
+              <a:t>Space War</a:t>
             </a:r>
             <a:endParaRPr lang="de-DE" dirty="0">
               <a:solidFill>
@@ -3513,15 +3505,7 @@
                   <a:schemeClr val="bg1"/>
                 </a:solidFill>
               </a:rPr>
-              <a:t>Space </a:t>
-            </a:r>
-            <a:r>
-              <a:rPr lang="de-DE" smtClean="0">
-                <a:solidFill>
-                  <a:schemeClr val="bg1"/>
-                </a:solidFill>
-              </a:rPr>
-              <a:t>War</a:t>
+              <a:t>Space War</a:t>
             </a:r>
             <a:endParaRPr lang="de-DE" dirty="0">
               <a:solidFill>
@@ -3616,16 +3600,29 @@
                   <a:schemeClr val="bg1"/>
                 </a:solidFill>
               </a:rPr>
-              <a:t>zum Download unter: https</a:t>
-            </a:r>
-            <a:r>
-              <a:rPr lang="de-DE" sz="1400" dirty="0">
+              <a:t>zum Download unter</a:t>
+            </a:r>
+            <a:r>
+              <a:rPr lang="de-DE" sz="1400" smtClean="0">
                 <a:solidFill>
                   <a:schemeClr val="bg1"/>
                 </a:solidFill>
               </a:rPr>
-              <a:t>://github.com/MoritzNebel/Space_Taxi_Moritz_Nebel</a:t>
-            </a:r>
+              <a:t>: </a:t>
+            </a:r>
+            <a:r>
+              <a:rPr lang="de-DE" sz="1400">
+                <a:solidFill>
+                  <a:schemeClr val="bg1"/>
+                </a:solidFill>
+              </a:rPr>
+              <a:t>https://github.com/MoritzNebel/Space_War_MoritzNebel</a:t>
+            </a:r>
+            <a:endParaRPr lang="de-DE" sz="1400" dirty="0">
+              <a:solidFill>
+                <a:schemeClr val="bg1"/>
+              </a:solidFill>
+            </a:endParaRPr>
           </a:p>
         </p:txBody>
       </p:sp>
